--- a/GITHUB CICD.pptx
+++ b/GITHUB CICD.pptx
@@ -503,7 +503,7 @@
           <a:p>
             <a:fld id="{76969C88-B244-455D-A017-012B25B1ACDD}" type="datetimeFigureOut">
               <a:rPr lang="en-US" smtClean="0"/>
-              <a:t>3/6/2024</a:t>
+              <a:t>3/7/2024</a:t>
             </a:fld>
             <a:endParaRPr lang="en-US"/>
           </a:p>
@@ -701,7 +701,7 @@
           <a:p>
             <a:fld id="{76969C88-B244-455D-A017-012B25B1ACDD}" type="datetimeFigureOut">
               <a:rPr lang="en-US" smtClean="0"/>
-              <a:t>3/6/2024</a:t>
+              <a:t>3/7/2024</a:t>
             </a:fld>
             <a:endParaRPr lang="en-US"/>
           </a:p>
@@ -909,7 +909,7 @@
           <a:p>
             <a:fld id="{76969C88-B244-455D-A017-012B25B1ACDD}" type="datetimeFigureOut">
               <a:rPr lang="en-US" smtClean="0"/>
-              <a:t>3/6/2024</a:t>
+              <a:t>3/7/2024</a:t>
             </a:fld>
             <a:endParaRPr lang="en-US"/>
           </a:p>
@@ -1108,7 +1108,7 @@
           <a:p>
             <a:fld id="{76969C88-B244-455D-A017-012B25B1ACDD}" type="datetimeFigureOut">
               <a:rPr lang="en-US" smtClean="0"/>
-              <a:t>3/6/2024</a:t>
+              <a:t>3/7/2024</a:t>
             </a:fld>
             <a:endParaRPr lang="en-US"/>
           </a:p>
@@ -1383,7 +1383,7 @@
           <a:p>
             <a:fld id="{76969C88-B244-455D-A017-012B25B1ACDD}" type="datetimeFigureOut">
               <a:rPr lang="en-US" smtClean="0"/>
-              <a:t>3/6/2024</a:t>
+              <a:t>3/7/2024</a:t>
             </a:fld>
             <a:endParaRPr lang="en-US"/>
           </a:p>
@@ -1648,7 +1648,7 @@
           <a:p>
             <a:fld id="{76969C88-B244-455D-A017-012B25B1ACDD}" type="datetimeFigureOut">
               <a:rPr lang="en-US" smtClean="0"/>
-              <a:t>3/6/2024</a:t>
+              <a:t>3/7/2024</a:t>
             </a:fld>
             <a:endParaRPr lang="en-US"/>
           </a:p>
@@ -2060,7 +2060,7 @@
           <a:p>
             <a:fld id="{76969C88-B244-455D-A017-012B25B1ACDD}" type="datetimeFigureOut">
               <a:rPr lang="en-US" smtClean="0"/>
-              <a:t>3/6/2024</a:t>
+              <a:t>3/7/2024</a:t>
             </a:fld>
             <a:endParaRPr lang="en-US"/>
           </a:p>
@@ -2201,7 +2201,7 @@
           <a:p>
             <a:fld id="{76969C88-B244-455D-A017-012B25B1ACDD}" type="datetimeFigureOut">
               <a:rPr lang="en-US" smtClean="0"/>
-              <a:t>3/6/2024</a:t>
+              <a:t>3/7/2024</a:t>
             </a:fld>
             <a:endParaRPr lang="en-US"/>
           </a:p>
@@ -2314,7 +2314,7 @@
           <a:p>
             <a:fld id="{76969C88-B244-455D-A017-012B25B1ACDD}" type="datetimeFigureOut">
               <a:rPr lang="en-US" smtClean="0"/>
-              <a:t>3/6/2024</a:t>
+              <a:t>3/7/2024</a:t>
             </a:fld>
             <a:endParaRPr lang="en-US"/>
           </a:p>
@@ -2626,7 +2626,7 @@
           <a:p>
             <a:fld id="{76969C88-B244-455D-A017-012B25B1ACDD}" type="datetimeFigureOut">
               <a:rPr lang="en-US" smtClean="0"/>
-              <a:t>3/6/2024</a:t>
+              <a:t>3/7/2024</a:t>
             </a:fld>
             <a:endParaRPr lang="en-US"/>
           </a:p>
@@ -2917,7 +2917,7 @@
           <a:p>
             <a:fld id="{76969C88-B244-455D-A017-012B25B1ACDD}" type="datetimeFigureOut">
               <a:rPr lang="en-US" smtClean="0"/>
-              <a:t>3/6/2024</a:t>
+              <a:t>3/7/2024</a:t>
             </a:fld>
             <a:endParaRPr lang="en-US"/>
           </a:p>
@@ -3673,7 +3673,7 @@
             <a:fld id="{76969C88-B244-455D-A017-012B25B1ACDD}" type="datetimeFigureOut">
               <a:rPr lang="en-US" smtClean="0"/>
               <a:pPr/>
-              <a:t>3/6/2024</a:t>
+              <a:t>3/7/2024</a:t>
             </a:fld>
             <a:endParaRPr lang="en-US"/>
           </a:p>
@@ -6065,7 +6065,7 @@
           <a:p>
             <a:r>
               <a:rPr lang="nb-NO" dirty="0"/>
-              <a:t>Dagens mål er at vi skal se hvordan vi kan bruke </a:t>
+              <a:t>Vi skal se hvordan vi setter opp </a:t>
             </a:r>
             <a:r>
               <a:rPr lang="nb-NO" dirty="0" err="1"/>
@@ -6081,7 +6081,7 @@
             </a:r>
             <a:r>
               <a:rPr lang="nb-NO" dirty="0"/>
-              <a:t> til å automatisere prosjekter. Vi skal holde det så enkelt som mulig. </a:t>
+              <a:t>. Vi skal IKKE se veldig nøye på action-filene, men vi skal se hvordan de er strukturert.</a:t>
             </a:r>
           </a:p>
           <a:p>
@@ -6518,12 +6518,6 @@
               <a:t>Når en utvikler pusher kode til DNB, vil en rekke automatiserte tester starte. </a:t>
             </a:r>
           </a:p>
-          <a:p>
-            <a:r>
-              <a:rPr lang="nb-NO" dirty="0"/>
-              <a:t>Først settes det opp en fiktiv data som henter koden. Deretter bygges prosjektet. </a:t>
-            </a:r>
-          </a:p>
         </p:txBody>
       </p:sp>
     </p:spTree>
@@ -6600,7 +6594,7 @@
         <p:spPr/>
         <p:txBody>
           <a:bodyPr>
-            <a:normAutofit fontScale="92500"/>
+            <a:normAutofit/>
           </a:bodyPr>
           <a:lstStyle/>
           <a:p>
@@ -6612,27 +6606,7 @@
           <a:p>
             <a:r>
               <a:rPr lang="nb-NO" dirty="0"/>
-              <a:t>Hvis testene lykkes, pakkes koden og distribueres til et testmiljø</a:t>
-            </a:r>
-          </a:p>
-          <a:p>
-            <a:r>
-              <a:rPr lang="nb-NO" dirty="0"/>
-              <a:t>Når koden er godkjent, kan den distribueres til produksjonsmiljøet.</a:t>
-            </a:r>
-          </a:p>
-          <a:p>
-            <a:r>
-              <a:rPr lang="nb-NO" dirty="0"/>
-              <a:t>Produksjonsmiljøet er </a:t>
-            </a:r>
-            <a:r>
-              <a:rPr lang="nb-NO" dirty="0" err="1"/>
-              <a:t>DNBs</a:t>
-            </a:r>
-            <a:r>
-              <a:rPr lang="nb-NO" dirty="0"/>
-              <a:t> digitale tjenester som bankens kunder bruker.</a:t>
+              <a:t>Hvis testene lykkes, pakkes koden og distribueres</a:t>
             </a:r>
           </a:p>
         </p:txBody>
